--- a/inst/guides/mSigActWebServer.pptx
+++ b/inst/guides/mSigActWebServer.pptx
@@ -6,6 +6,7 @@
   </p:sldMasterIdLst>
   <p:sldIdLst>
     <p:sldId id="256" r:id="rId2"/>
+    <p:sldId id="257" r:id="rId3"/>
   </p:sldIdLst>
   <p:sldSz cx="9906000" cy="6858000" type="A4"/>
   <p:notesSz cx="6858000" cy="9144000"/>
@@ -243,7 +244,7 @@
           <a:p>
             <a:fld id="{C181B849-9D16-40B9-9F16-17B61099D6FE}" type="datetimeFigureOut">
               <a:rPr lang="en-SG" smtClean="0"/>
-              <a:t>20/12/2020</a:t>
+              <a:t>23/6/2021</a:t>
             </a:fld>
             <a:endParaRPr lang="en-SG"/>
           </a:p>
@@ -413,7 +414,7 @@
           <a:p>
             <a:fld id="{C181B849-9D16-40B9-9F16-17B61099D6FE}" type="datetimeFigureOut">
               <a:rPr lang="en-SG" smtClean="0"/>
-              <a:t>20/12/2020</a:t>
+              <a:t>23/6/2021</a:t>
             </a:fld>
             <a:endParaRPr lang="en-SG"/>
           </a:p>
@@ -593,7 +594,7 @@
           <a:p>
             <a:fld id="{C181B849-9D16-40B9-9F16-17B61099D6FE}" type="datetimeFigureOut">
               <a:rPr lang="en-SG" smtClean="0"/>
-              <a:t>20/12/2020</a:t>
+              <a:t>23/6/2021</a:t>
             </a:fld>
             <a:endParaRPr lang="en-SG"/>
           </a:p>
@@ -763,7 +764,7 @@
           <a:p>
             <a:fld id="{C181B849-9D16-40B9-9F16-17B61099D6FE}" type="datetimeFigureOut">
               <a:rPr lang="en-SG" smtClean="0"/>
-              <a:t>20/12/2020</a:t>
+              <a:t>23/6/2021</a:t>
             </a:fld>
             <a:endParaRPr lang="en-SG"/>
           </a:p>
@@ -1007,7 +1008,7 @@
           <a:p>
             <a:fld id="{C181B849-9D16-40B9-9F16-17B61099D6FE}" type="datetimeFigureOut">
               <a:rPr lang="en-SG" smtClean="0"/>
-              <a:t>20/12/2020</a:t>
+              <a:t>23/6/2021</a:t>
             </a:fld>
             <a:endParaRPr lang="en-SG"/>
           </a:p>
@@ -1239,7 +1240,7 @@
           <a:p>
             <a:fld id="{C181B849-9D16-40B9-9F16-17B61099D6FE}" type="datetimeFigureOut">
               <a:rPr lang="en-SG" smtClean="0"/>
-              <a:t>20/12/2020</a:t>
+              <a:t>23/6/2021</a:t>
             </a:fld>
             <a:endParaRPr lang="en-SG"/>
           </a:p>
@@ -1606,7 +1607,7 @@
           <a:p>
             <a:fld id="{C181B849-9D16-40B9-9F16-17B61099D6FE}" type="datetimeFigureOut">
               <a:rPr lang="en-SG" smtClean="0"/>
-              <a:t>20/12/2020</a:t>
+              <a:t>23/6/2021</a:t>
             </a:fld>
             <a:endParaRPr lang="en-SG"/>
           </a:p>
@@ -1724,7 +1725,7 @@
           <a:p>
             <a:fld id="{C181B849-9D16-40B9-9F16-17B61099D6FE}" type="datetimeFigureOut">
               <a:rPr lang="en-SG" smtClean="0"/>
-              <a:t>20/12/2020</a:t>
+              <a:t>23/6/2021</a:t>
             </a:fld>
             <a:endParaRPr lang="en-SG"/>
           </a:p>
@@ -1819,7 +1820,7 @@
           <a:p>
             <a:fld id="{C181B849-9D16-40B9-9F16-17B61099D6FE}" type="datetimeFigureOut">
               <a:rPr lang="en-SG" smtClean="0"/>
-              <a:t>20/12/2020</a:t>
+              <a:t>23/6/2021</a:t>
             </a:fld>
             <a:endParaRPr lang="en-SG"/>
           </a:p>
@@ -2096,7 +2097,7 @@
           <a:p>
             <a:fld id="{C181B849-9D16-40B9-9F16-17B61099D6FE}" type="datetimeFigureOut">
               <a:rPr lang="en-SG" smtClean="0"/>
-              <a:t>20/12/2020</a:t>
+              <a:t>23/6/2021</a:t>
             </a:fld>
             <a:endParaRPr lang="en-SG"/>
           </a:p>
@@ -2353,7 +2354,7 @@
           <a:p>
             <a:fld id="{C181B849-9D16-40B9-9F16-17B61099D6FE}" type="datetimeFigureOut">
               <a:rPr lang="en-SG" smtClean="0"/>
-              <a:t>20/12/2020</a:t>
+              <a:t>23/6/2021</a:t>
             </a:fld>
             <a:endParaRPr lang="en-SG"/>
           </a:p>
@@ -2566,7 +2567,7 @@
           <a:p>
             <a:fld id="{C181B849-9D16-40B9-9F16-17B61099D6FE}" type="datetimeFigureOut">
               <a:rPr lang="en-SG" smtClean="0"/>
-              <a:t>20/12/2020</a:t>
+              <a:t>23/6/2021</a:t>
             </a:fld>
             <a:endParaRPr lang="en-SG"/>
           </a:p>
@@ -3732,6 +3733,788 @@
 </p:sld>
 </file>
 
+<file path=ppt/slides/slide2.xml><?xml version="1.0" encoding="utf-8"?>
+<p:sld xmlns:a="http://schemas.openxmlformats.org/drawingml/2006/main" xmlns:r="http://schemas.openxmlformats.org/officeDocument/2006/relationships" xmlns:p="http://schemas.openxmlformats.org/presentationml/2006/main">
+  <p:cSld>
+    <p:spTree>
+      <p:nvGrpSpPr>
+        <p:cNvPr id="1" name=""/>
+        <p:cNvGrpSpPr/>
+        <p:nvPr/>
+      </p:nvGrpSpPr>
+      <p:grpSpPr>
+        <a:xfrm>
+          <a:off x="0" y="0"/>
+          <a:ext cx="0" cy="0"/>
+          <a:chOff x="0" y="0"/>
+          <a:chExt cx="0" cy="0"/>
+        </a:xfrm>
+      </p:grpSpPr>
+      <p:pic>
+        <p:nvPicPr>
+          <p:cNvPr id="25" name="Picture 24">
+            <a:extLst>
+              <a:ext uri="{FF2B5EF4-FFF2-40B4-BE49-F238E27FC236}">
+                <a16:creationId xmlns:a16="http://schemas.microsoft.com/office/drawing/2014/main" id="{C58F3B7A-4E14-4447-8D22-370D745F5919}"/>
+              </a:ext>
+            </a:extLst>
+          </p:cNvPr>
+          <p:cNvPicPr>
+            <a:picLocks noChangeAspect="1"/>
+          </p:cNvPicPr>
+          <p:nvPr/>
+        </p:nvPicPr>
+        <p:blipFill>
+          <a:blip r:embed="rId2"/>
+          <a:stretch>
+            <a:fillRect/>
+          </a:stretch>
+        </p:blipFill>
+        <p:spPr>
+          <a:xfrm>
+            <a:off x="5235964" y="1670963"/>
+            <a:ext cx="4553399" cy="1962308"/>
+          </a:xfrm>
+          <a:prstGeom prst="rect">
+            <a:avLst/>
+          </a:prstGeom>
+        </p:spPr>
+      </p:pic>
+      <p:pic>
+        <p:nvPicPr>
+          <p:cNvPr id="7" name="Picture 6">
+            <a:extLst>
+              <a:ext uri="{FF2B5EF4-FFF2-40B4-BE49-F238E27FC236}">
+                <a16:creationId xmlns:a16="http://schemas.microsoft.com/office/drawing/2014/main" id="{D38D9B79-2EA2-46A2-B800-C88D45C9E8E9}"/>
+              </a:ext>
+            </a:extLst>
+          </p:cNvPr>
+          <p:cNvPicPr>
+            <a:picLocks noChangeAspect="1"/>
+          </p:cNvPicPr>
+          <p:nvPr/>
+        </p:nvPicPr>
+        <p:blipFill>
+          <a:blip r:embed="rId3"/>
+          <a:stretch>
+            <a:fillRect/>
+          </a:stretch>
+        </p:blipFill>
+        <p:spPr>
+          <a:xfrm>
+            <a:off x="331614" y="1665190"/>
+            <a:ext cx="4338424" cy="2039196"/>
+          </a:xfrm>
+          <a:prstGeom prst="rect">
+            <a:avLst/>
+          </a:prstGeom>
+        </p:spPr>
+      </p:pic>
+      <p:sp>
+        <p:nvSpPr>
+          <p:cNvPr id="8" name="TextBox 7">
+            <a:extLst>
+              <a:ext uri="{FF2B5EF4-FFF2-40B4-BE49-F238E27FC236}">
+                <a16:creationId xmlns:a16="http://schemas.microsoft.com/office/drawing/2014/main" id="{ABDB9AF5-C794-4EFC-9B3E-1F63EE8A6D3A}"/>
+              </a:ext>
+            </a:extLst>
+          </p:cNvPr>
+          <p:cNvSpPr txBox="1"/>
+          <p:nvPr/>
+        </p:nvSpPr>
+        <p:spPr>
+          <a:xfrm>
+            <a:off x="663505" y="956453"/>
+            <a:ext cx="3399332" cy="523220"/>
+          </a:xfrm>
+          <a:prstGeom prst="rect">
+            <a:avLst/>
+          </a:prstGeom>
+          <a:noFill/>
+        </p:spPr>
+        <p:txBody>
+          <a:bodyPr wrap="square" rtlCol="0">
+            <a:spAutoFit/>
+          </a:bodyPr>
+          <a:lstStyle/>
+          <a:p>
+            <a:pPr algn="ctr"/>
+            <a:r>
+              <a:rPr lang="en-US" sz="1400" dirty="0"/>
+              <a:t>Generate mutational spectra catalogs from uploaded  VCFs (variant call files)</a:t>
+            </a:r>
+          </a:p>
+        </p:txBody>
+      </p:sp>
+      <p:sp>
+        <p:nvSpPr>
+          <p:cNvPr id="9" name="Arrow: Down 8">
+            <a:extLst>
+              <a:ext uri="{FF2B5EF4-FFF2-40B4-BE49-F238E27FC236}">
+                <a16:creationId xmlns:a16="http://schemas.microsoft.com/office/drawing/2014/main" id="{BF299F45-B51F-46B4-BD8D-CA164BE2228C}"/>
+              </a:ext>
+            </a:extLst>
+          </p:cNvPr>
+          <p:cNvSpPr/>
+          <p:nvPr/>
+        </p:nvSpPr>
+        <p:spPr>
+          <a:xfrm>
+            <a:off x="2052975" y="3194487"/>
+            <a:ext cx="265472" cy="686518"/>
+          </a:xfrm>
+          <a:prstGeom prst="downArrow">
+            <a:avLst/>
+          </a:prstGeom>
+        </p:spPr>
+        <p:style>
+          <a:lnRef idx="2">
+            <a:schemeClr val="accent1">
+              <a:shade val="50000"/>
+            </a:schemeClr>
+          </a:lnRef>
+          <a:fillRef idx="1">
+            <a:schemeClr val="accent1"/>
+          </a:fillRef>
+          <a:effectRef idx="0">
+            <a:schemeClr val="accent1"/>
+          </a:effectRef>
+          <a:fontRef idx="minor">
+            <a:schemeClr val="lt1"/>
+          </a:fontRef>
+        </p:style>
+        <p:txBody>
+          <a:bodyPr rtlCol="0" anchor="ctr"/>
+          <a:lstStyle/>
+          <a:p>
+            <a:pPr algn="ctr"/>
+            <a:endParaRPr lang="en-SG"/>
+          </a:p>
+        </p:txBody>
+      </p:sp>
+      <p:sp>
+        <p:nvSpPr>
+          <p:cNvPr id="10" name="TextBox 9">
+            <a:extLst>
+              <a:ext uri="{FF2B5EF4-FFF2-40B4-BE49-F238E27FC236}">
+                <a16:creationId xmlns:a16="http://schemas.microsoft.com/office/drawing/2014/main" id="{6A479588-4212-4B56-8EEB-9277BFE44BDF}"/>
+              </a:ext>
+            </a:extLst>
+          </p:cNvPr>
+          <p:cNvSpPr txBox="1"/>
+          <p:nvPr/>
+        </p:nvSpPr>
+        <p:spPr>
+          <a:xfrm>
+            <a:off x="470819" y="3973367"/>
+            <a:ext cx="3592018" cy="523220"/>
+          </a:xfrm>
+          <a:prstGeom prst="rect">
+            <a:avLst/>
+          </a:prstGeom>
+          <a:noFill/>
+        </p:spPr>
+        <p:txBody>
+          <a:bodyPr wrap="square" rtlCol="0">
+            <a:spAutoFit/>
+          </a:bodyPr>
+          <a:lstStyle/>
+          <a:p>
+            <a:pPr algn="ctr"/>
+            <a:r>
+              <a:rPr lang="en-US" sz="1400" dirty="0"/>
+              <a:t>Download mutational spectra as .csv files; download or view plots of spectra</a:t>
+            </a:r>
+          </a:p>
+        </p:txBody>
+      </p:sp>
+      <p:sp>
+        <p:nvSpPr>
+          <p:cNvPr id="11" name="Arrow: Down 10">
+            <a:extLst>
+              <a:ext uri="{FF2B5EF4-FFF2-40B4-BE49-F238E27FC236}">
+                <a16:creationId xmlns:a16="http://schemas.microsoft.com/office/drawing/2014/main" id="{8B87D34D-642A-410D-AB98-0AAEF89363F9}"/>
+              </a:ext>
+            </a:extLst>
+          </p:cNvPr>
+          <p:cNvSpPr/>
+          <p:nvPr/>
+        </p:nvSpPr>
+        <p:spPr>
+          <a:xfrm rot="16200000">
+            <a:off x="4643450" y="1958260"/>
+            <a:ext cx="265472" cy="1168205"/>
+          </a:xfrm>
+          <a:prstGeom prst="downArrow">
+            <a:avLst/>
+          </a:prstGeom>
+        </p:spPr>
+        <p:style>
+          <a:lnRef idx="2">
+            <a:schemeClr val="accent1">
+              <a:shade val="50000"/>
+            </a:schemeClr>
+          </a:lnRef>
+          <a:fillRef idx="1">
+            <a:schemeClr val="accent1"/>
+          </a:fillRef>
+          <a:effectRef idx="0">
+            <a:schemeClr val="accent1"/>
+          </a:effectRef>
+          <a:fontRef idx="minor">
+            <a:schemeClr val="lt1"/>
+          </a:fontRef>
+        </p:style>
+        <p:txBody>
+          <a:bodyPr rtlCol="0" anchor="ctr"/>
+          <a:lstStyle/>
+          <a:p>
+            <a:pPr algn="ctr"/>
+            <a:endParaRPr lang="en-SG"/>
+          </a:p>
+        </p:txBody>
+      </p:sp>
+      <p:sp>
+        <p:nvSpPr>
+          <p:cNvPr id="12" name="TextBox 11">
+            <a:extLst>
+              <a:ext uri="{FF2B5EF4-FFF2-40B4-BE49-F238E27FC236}">
+                <a16:creationId xmlns:a16="http://schemas.microsoft.com/office/drawing/2014/main" id="{F55BF3D7-17A9-430E-9BF0-47284C2B3BED}"/>
+              </a:ext>
+            </a:extLst>
+          </p:cNvPr>
+          <p:cNvSpPr txBox="1"/>
+          <p:nvPr/>
+        </p:nvSpPr>
+        <p:spPr>
+          <a:xfrm>
+            <a:off x="5333702" y="964970"/>
+            <a:ext cx="3655148" cy="738664"/>
+          </a:xfrm>
+          <a:prstGeom prst="rect">
+            <a:avLst/>
+          </a:prstGeom>
+          <a:noFill/>
+        </p:spPr>
+        <p:txBody>
+          <a:bodyPr wrap="square" rtlCol="0">
+            <a:spAutoFit/>
+          </a:bodyPr>
+          <a:lstStyle/>
+          <a:p>
+            <a:pPr algn="ctr"/>
+            <a:r>
+              <a:rPr lang="en-US" sz="1400" dirty="0"/>
+              <a:t>Estimate mutational signature activities for uploaded mutational spectra or for mutation spectra derived from VCFs</a:t>
+            </a:r>
+          </a:p>
+        </p:txBody>
+      </p:sp>
+      <p:sp>
+        <p:nvSpPr>
+          <p:cNvPr id="13" name="Arrow: Down 12">
+            <a:extLst>
+              <a:ext uri="{FF2B5EF4-FFF2-40B4-BE49-F238E27FC236}">
+                <a16:creationId xmlns:a16="http://schemas.microsoft.com/office/drawing/2014/main" id="{B067E659-CE7C-48D5-9F4E-60725005A8B5}"/>
+              </a:ext>
+            </a:extLst>
+          </p:cNvPr>
+          <p:cNvSpPr/>
+          <p:nvPr/>
+        </p:nvSpPr>
+        <p:spPr>
+          <a:xfrm>
+            <a:off x="7016150" y="2864129"/>
+            <a:ext cx="265472" cy="1016876"/>
+          </a:xfrm>
+          <a:prstGeom prst="downArrow">
+            <a:avLst/>
+          </a:prstGeom>
+        </p:spPr>
+        <p:style>
+          <a:lnRef idx="2">
+            <a:schemeClr val="accent1">
+              <a:shade val="50000"/>
+            </a:schemeClr>
+          </a:lnRef>
+          <a:fillRef idx="1">
+            <a:schemeClr val="accent1"/>
+          </a:fillRef>
+          <a:effectRef idx="0">
+            <a:schemeClr val="accent1"/>
+          </a:effectRef>
+          <a:fontRef idx="minor">
+            <a:schemeClr val="lt1"/>
+          </a:fontRef>
+        </p:style>
+        <p:txBody>
+          <a:bodyPr rtlCol="0" anchor="ctr"/>
+          <a:lstStyle/>
+          <a:p>
+            <a:pPr algn="ctr"/>
+            <a:endParaRPr lang="en-SG"/>
+          </a:p>
+        </p:txBody>
+      </p:sp>
+      <p:sp>
+        <p:nvSpPr>
+          <p:cNvPr id="14" name="TextBox 13">
+            <a:extLst>
+              <a:ext uri="{FF2B5EF4-FFF2-40B4-BE49-F238E27FC236}">
+                <a16:creationId xmlns:a16="http://schemas.microsoft.com/office/drawing/2014/main" id="{B1E491CD-7807-4BFE-9C96-9D88C92D8279}"/>
+              </a:ext>
+            </a:extLst>
+          </p:cNvPr>
+          <p:cNvSpPr txBox="1"/>
+          <p:nvPr/>
+        </p:nvSpPr>
+        <p:spPr>
+          <a:xfrm>
+            <a:off x="4952999" y="3973367"/>
+            <a:ext cx="4482181" cy="523220"/>
+          </a:xfrm>
+          <a:prstGeom prst="rect">
+            <a:avLst/>
+          </a:prstGeom>
+          <a:noFill/>
+        </p:spPr>
+        <p:txBody>
+          <a:bodyPr wrap="square" rtlCol="0">
+            <a:spAutoFit/>
+          </a:bodyPr>
+          <a:lstStyle/>
+          <a:p>
+            <a:pPr algn="ctr"/>
+            <a:r>
+              <a:rPr lang="en-US" sz="1400" dirty="0"/>
+              <a:t>View and download attributions and plots of constituent signatures and of reconstructed spectrum</a:t>
+            </a:r>
+          </a:p>
+        </p:txBody>
+      </p:sp>
+      <p:sp>
+        <p:nvSpPr>
+          <p:cNvPr id="20" name="TextBox 19">
+            <a:extLst>
+              <a:ext uri="{FF2B5EF4-FFF2-40B4-BE49-F238E27FC236}">
+                <a16:creationId xmlns:a16="http://schemas.microsoft.com/office/drawing/2014/main" id="{2DBD8B76-CF21-41B4-934A-83832B894DAC}"/>
+              </a:ext>
+            </a:extLst>
+          </p:cNvPr>
+          <p:cNvSpPr txBox="1"/>
+          <p:nvPr/>
+        </p:nvSpPr>
+        <p:spPr>
+          <a:xfrm>
+            <a:off x="558965" y="270827"/>
+            <a:ext cx="5002523" cy="461665"/>
+          </a:xfrm>
+          <a:prstGeom prst="rect">
+            <a:avLst/>
+          </a:prstGeom>
+          <a:noFill/>
+        </p:spPr>
+        <p:txBody>
+          <a:bodyPr wrap="none" rtlCol="0">
+            <a:spAutoFit/>
+          </a:bodyPr>
+          <a:lstStyle/>
+          <a:p>
+            <a:r>
+              <a:rPr lang="en-SG" sz="2400" b="0" i="0" dirty="0">
+                <a:solidFill>
+                  <a:srgbClr val="337AB7"/>
+                </a:solidFill>
+                <a:effectLst/>
+              </a:rPr>
+              <a:t>mSigAct: </a:t>
+            </a:r>
+            <a:r>
+              <a:rPr lang="en-SG" sz="2400" b="1" i="1" dirty="0">
+                <a:solidFill>
+                  <a:srgbClr val="337AB7"/>
+                </a:solidFill>
+                <a:effectLst/>
+              </a:rPr>
+              <a:t>m</a:t>
+            </a:r>
+            <a:r>
+              <a:rPr lang="en-SG" sz="2400" b="0" i="0" dirty="0">
+                <a:solidFill>
+                  <a:srgbClr val="337AB7"/>
+                </a:solidFill>
+                <a:effectLst/>
+              </a:rPr>
+              <a:t>utational </a:t>
+            </a:r>
+            <a:r>
+              <a:rPr lang="en-SG" sz="2400" b="1" i="1" dirty="0">
+                <a:solidFill>
+                  <a:srgbClr val="337AB7"/>
+                </a:solidFill>
+                <a:effectLst/>
+              </a:rPr>
+              <a:t>Sig</a:t>
+            </a:r>
+            <a:r>
+              <a:rPr lang="en-SG" sz="2400" b="0" i="0" dirty="0">
+                <a:solidFill>
+                  <a:srgbClr val="337AB7"/>
+                </a:solidFill>
+                <a:effectLst/>
+              </a:rPr>
+              <a:t>nature </a:t>
+            </a:r>
+            <a:r>
+              <a:rPr lang="en-SG" sz="2400" b="1" i="1" dirty="0">
+                <a:solidFill>
+                  <a:srgbClr val="337AB7"/>
+                </a:solidFill>
+                <a:effectLst/>
+              </a:rPr>
+              <a:t>Act</a:t>
+            </a:r>
+            <a:r>
+              <a:rPr lang="en-SG" sz="2400" b="0" i="0" dirty="0">
+                <a:solidFill>
+                  <a:srgbClr val="337AB7"/>
+                </a:solidFill>
+                <a:effectLst/>
+              </a:rPr>
+              <a:t>ivity</a:t>
+            </a:r>
+            <a:endParaRPr lang="en-SG" sz="2400" dirty="0"/>
+          </a:p>
+        </p:txBody>
+      </p:sp>
+      <p:sp>
+        <p:nvSpPr>
+          <p:cNvPr id="2" name="Oval 1">
+            <a:extLst>
+              <a:ext uri="{FF2B5EF4-FFF2-40B4-BE49-F238E27FC236}">
+                <a16:creationId xmlns:a16="http://schemas.microsoft.com/office/drawing/2014/main" id="{0268C211-53F3-46B4-AAC0-C9EA8CA5CDAD}"/>
+              </a:ext>
+            </a:extLst>
+          </p:cNvPr>
+          <p:cNvSpPr/>
+          <p:nvPr/>
+        </p:nvSpPr>
+        <p:spPr>
+          <a:xfrm>
+            <a:off x="2939858" y="2854222"/>
+            <a:ext cx="1525627" cy="1016876"/>
+          </a:xfrm>
+          <a:prstGeom prst="ellipse">
+            <a:avLst/>
+          </a:prstGeom>
+          <a:noFill/>
+          <a:ln>
+            <a:solidFill>
+              <a:srgbClr val="C00000"/>
+            </a:solidFill>
+          </a:ln>
+        </p:spPr>
+        <p:style>
+          <a:lnRef idx="2">
+            <a:schemeClr val="accent1">
+              <a:shade val="50000"/>
+            </a:schemeClr>
+          </a:lnRef>
+          <a:fillRef idx="1">
+            <a:schemeClr val="accent1"/>
+          </a:fillRef>
+          <a:effectRef idx="0">
+            <a:schemeClr val="accent1"/>
+          </a:effectRef>
+          <a:fontRef idx="minor">
+            <a:schemeClr val="lt1"/>
+          </a:fontRef>
+        </p:style>
+        <p:txBody>
+          <a:bodyPr rtlCol="0" anchor="ctr"/>
+          <a:lstStyle/>
+          <a:p>
+            <a:pPr algn="ctr"/>
+            <a:endParaRPr lang="en-SG"/>
+          </a:p>
+        </p:txBody>
+      </p:sp>
+      <p:sp>
+        <p:nvSpPr>
+          <p:cNvPr id="15" name="Oval 14">
+            <a:extLst>
+              <a:ext uri="{FF2B5EF4-FFF2-40B4-BE49-F238E27FC236}">
+                <a16:creationId xmlns:a16="http://schemas.microsoft.com/office/drawing/2014/main" id="{D5429ECB-0650-4503-9EDB-EEDDE1C4A3E7}"/>
+              </a:ext>
+            </a:extLst>
+          </p:cNvPr>
+          <p:cNvSpPr/>
+          <p:nvPr/>
+        </p:nvSpPr>
+        <p:spPr>
+          <a:xfrm>
+            <a:off x="7483745" y="2018075"/>
+            <a:ext cx="2305618" cy="1176411"/>
+          </a:xfrm>
+          <a:prstGeom prst="ellipse">
+            <a:avLst/>
+          </a:prstGeom>
+          <a:noFill/>
+          <a:ln>
+            <a:solidFill>
+              <a:srgbClr val="C00000"/>
+            </a:solidFill>
+          </a:ln>
+        </p:spPr>
+        <p:style>
+          <a:lnRef idx="2">
+            <a:schemeClr val="accent1">
+              <a:shade val="50000"/>
+            </a:schemeClr>
+          </a:lnRef>
+          <a:fillRef idx="1">
+            <a:schemeClr val="accent1"/>
+          </a:fillRef>
+          <a:effectRef idx="0">
+            <a:schemeClr val="accent1"/>
+          </a:effectRef>
+          <a:fontRef idx="minor">
+            <a:schemeClr val="lt1"/>
+          </a:fontRef>
+        </p:style>
+        <p:txBody>
+          <a:bodyPr rtlCol="0" anchor="ctr"/>
+          <a:lstStyle/>
+          <a:p>
+            <a:pPr algn="ctr"/>
+            <a:endParaRPr lang="en-SG"/>
+          </a:p>
+        </p:txBody>
+      </p:sp>
+      <p:sp>
+        <p:nvSpPr>
+          <p:cNvPr id="6" name="Freeform: Shape 5">
+            <a:extLst>
+              <a:ext uri="{FF2B5EF4-FFF2-40B4-BE49-F238E27FC236}">
+                <a16:creationId xmlns:a16="http://schemas.microsoft.com/office/drawing/2014/main" id="{9E9837FF-D46E-4918-B6A4-7548AFC33BC6}"/>
+              </a:ext>
+            </a:extLst>
+          </p:cNvPr>
+          <p:cNvSpPr/>
+          <p:nvPr/>
+        </p:nvSpPr>
+        <p:spPr>
+          <a:xfrm>
+            <a:off x="4113489" y="2828736"/>
+            <a:ext cx="3441935" cy="875650"/>
+          </a:xfrm>
+          <a:custGeom>
+            <a:avLst/>
+            <a:gdLst>
+              <a:gd name="connsiteX0" fmla="*/ 0 w 3108960"/>
+              <a:gd name="connsiteY0" fmla="*/ 601735 h 703679"/>
+              <a:gd name="connsiteX1" fmla="*/ 1209368 w 3108960"/>
+              <a:gd name="connsiteY1" fmla="*/ 206478 h 703679"/>
+              <a:gd name="connsiteX2" fmla="*/ 1374550 w 3108960"/>
+              <a:gd name="connsiteY2" fmla="*/ 702024 h 703679"/>
+              <a:gd name="connsiteX3" fmla="*/ 3108960 w 3108960"/>
+              <a:gd name="connsiteY3" fmla="*/ 0 h 703679"/>
+              <a:gd name="connsiteX4" fmla="*/ 3108960 w 3108960"/>
+              <a:gd name="connsiteY4" fmla="*/ 0 h 703679"/>
+            </a:gdLst>
+            <a:ahLst/>
+            <a:cxnLst>
+              <a:cxn ang="0">
+                <a:pos x="connsiteX0" y="connsiteY0"/>
+              </a:cxn>
+              <a:cxn ang="0">
+                <a:pos x="connsiteX1" y="connsiteY1"/>
+              </a:cxn>
+              <a:cxn ang="0">
+                <a:pos x="connsiteX2" y="connsiteY2"/>
+              </a:cxn>
+              <a:cxn ang="0">
+                <a:pos x="connsiteX3" y="connsiteY3"/>
+              </a:cxn>
+              <a:cxn ang="0">
+                <a:pos x="connsiteX4" y="connsiteY4"/>
+              </a:cxn>
+            </a:cxnLst>
+            <a:rect l="l" t="t" r="r" b="b"/>
+            <a:pathLst>
+              <a:path w="3108960" h="703679">
+                <a:moveTo>
+                  <a:pt x="0" y="601735"/>
+                </a:moveTo>
+                <a:cubicBezTo>
+                  <a:pt x="490138" y="395749"/>
+                  <a:pt x="980276" y="189763"/>
+                  <a:pt x="1209368" y="206478"/>
+                </a:cubicBezTo>
+                <a:cubicBezTo>
+                  <a:pt x="1438460" y="223193"/>
+                  <a:pt x="1057951" y="736437"/>
+                  <a:pt x="1374550" y="702024"/>
+                </a:cubicBezTo>
+                <a:cubicBezTo>
+                  <a:pt x="1691149" y="667611"/>
+                  <a:pt x="3108960" y="0"/>
+                  <a:pt x="3108960" y="0"/>
+                </a:cubicBezTo>
+                <a:lnTo>
+                  <a:pt x="3108960" y="0"/>
+                </a:lnTo>
+              </a:path>
+            </a:pathLst>
+          </a:custGeom>
+          <a:noFill/>
+          <a:ln w="19050">
+            <a:solidFill>
+              <a:srgbClr val="C00000"/>
+            </a:solidFill>
+            <a:headEnd type="arrow" w="med" len="med"/>
+            <a:tailEnd type="arrow" w="med" len="med"/>
+          </a:ln>
+        </p:spPr>
+        <p:style>
+          <a:lnRef idx="2">
+            <a:schemeClr val="accent1">
+              <a:shade val="50000"/>
+            </a:schemeClr>
+          </a:lnRef>
+          <a:fillRef idx="1">
+            <a:schemeClr val="accent1"/>
+          </a:fillRef>
+          <a:effectRef idx="0">
+            <a:schemeClr val="accent1"/>
+          </a:effectRef>
+          <a:fontRef idx="minor">
+            <a:schemeClr val="lt1"/>
+          </a:fontRef>
+        </p:style>
+        <p:txBody>
+          <a:bodyPr rtlCol="0" anchor="ctr"/>
+          <a:lstStyle/>
+          <a:p>
+            <a:pPr algn="ctr"/>
+            <a:endParaRPr lang="en-SG"/>
+          </a:p>
+        </p:txBody>
+      </p:sp>
+      <p:sp>
+        <p:nvSpPr>
+          <p:cNvPr id="17" name="TextBox 16">
+            <a:extLst>
+              <a:ext uri="{FF2B5EF4-FFF2-40B4-BE49-F238E27FC236}">
+                <a16:creationId xmlns:a16="http://schemas.microsoft.com/office/drawing/2014/main" id="{004DD62E-0A78-4BAA-A2AD-02B635EC127C}"/>
+              </a:ext>
+            </a:extLst>
+          </p:cNvPr>
+          <p:cNvSpPr txBox="1"/>
+          <p:nvPr/>
+        </p:nvSpPr>
+        <p:spPr>
+          <a:xfrm>
+            <a:off x="4932117" y="3305793"/>
+            <a:ext cx="1168205" cy="307777"/>
+          </a:xfrm>
+          <a:prstGeom prst="rect">
+            <a:avLst/>
+          </a:prstGeom>
+          <a:solidFill>
+            <a:schemeClr val="bg1"/>
+          </a:solidFill>
+        </p:spPr>
+        <p:txBody>
+          <a:bodyPr wrap="none" rtlCol="0">
+            <a:spAutoFit/>
+          </a:bodyPr>
+          <a:lstStyle/>
+          <a:p>
+            <a:r>
+              <a:rPr lang="en-SG" sz="1400" dirty="0">
+                <a:solidFill>
+                  <a:srgbClr val="C00000"/>
+                </a:solidFill>
+              </a:rPr>
+              <a:t>Example data</a:t>
+            </a:r>
+          </a:p>
+        </p:txBody>
+      </p:sp>
+      <p:pic>
+        <p:nvPicPr>
+          <p:cNvPr id="27" name="Picture 26">
+            <a:extLst>
+              <a:ext uri="{FF2B5EF4-FFF2-40B4-BE49-F238E27FC236}">
+                <a16:creationId xmlns:a16="http://schemas.microsoft.com/office/drawing/2014/main" id="{007DE4E0-F9FE-4914-8706-90437437C9CF}"/>
+              </a:ext>
+            </a:extLst>
+          </p:cNvPr>
+          <p:cNvPicPr>
+            <a:picLocks noChangeAspect="1"/>
+          </p:cNvPicPr>
+          <p:nvPr/>
+        </p:nvPicPr>
+        <p:blipFill>
+          <a:blip r:embed="rId4"/>
+          <a:stretch>
+            <a:fillRect/>
+          </a:stretch>
+        </p:blipFill>
+        <p:spPr>
+          <a:xfrm>
+            <a:off x="4776186" y="4599582"/>
+            <a:ext cx="5129814" cy="1491598"/>
+          </a:xfrm>
+          <a:prstGeom prst="rect">
+            <a:avLst/>
+          </a:prstGeom>
+        </p:spPr>
+      </p:pic>
+      <p:pic>
+        <p:nvPicPr>
+          <p:cNvPr id="29" name="Picture 28">
+            <a:extLst>
+              <a:ext uri="{FF2B5EF4-FFF2-40B4-BE49-F238E27FC236}">
+                <a16:creationId xmlns:a16="http://schemas.microsoft.com/office/drawing/2014/main" id="{C434F000-B97A-4DF4-976C-05FBB1775A6F}"/>
+              </a:ext>
+            </a:extLst>
+          </p:cNvPr>
+          <p:cNvPicPr>
+            <a:picLocks noChangeAspect="1"/>
+          </p:cNvPicPr>
+          <p:nvPr/>
+        </p:nvPicPr>
+        <p:blipFill>
+          <a:blip r:embed="rId5"/>
+          <a:stretch>
+            <a:fillRect/>
+          </a:stretch>
+        </p:blipFill>
+        <p:spPr>
+          <a:xfrm>
+            <a:off x="331614" y="4680126"/>
+            <a:ext cx="4338424" cy="1025367"/>
+          </a:xfrm>
+          <a:prstGeom prst="rect">
+            <a:avLst/>
+          </a:prstGeom>
+        </p:spPr>
+      </p:pic>
+    </p:spTree>
+    <p:extLst>
+      <p:ext uri="{BB962C8B-B14F-4D97-AF65-F5344CB8AC3E}">
+        <p14:creationId xmlns:p14="http://schemas.microsoft.com/office/powerpoint/2010/main" val="2938824480"/>
+      </p:ext>
+    </p:extLst>
+  </p:cSld>
+  <p:clrMapOvr>
+    <a:masterClrMapping/>
+  </p:clrMapOvr>
+</p:sld>
+</file>
+
 <file path=ppt/theme/theme1.xml><?xml version="1.0" encoding="utf-8"?>
 <a:theme xmlns:a="http://schemas.openxmlformats.org/drawingml/2006/main" name="Office Theme">
   <a:themeElements>

--- a/inst/guides/mSigActWebServer.pptx
+++ b/inst/guides/mSigActWebServer.pptx
@@ -3824,8 +3824,8 @@
         </p:nvSpPr>
         <p:spPr>
           <a:xfrm>
-            <a:off x="663505" y="956453"/>
-            <a:ext cx="3399332" cy="523220"/>
+            <a:off x="470819" y="965351"/>
+            <a:ext cx="4268612" cy="523220"/>
           </a:xfrm>
           <a:prstGeom prst="rect">
             <a:avLst/>
@@ -3841,7 +3841,7 @@
             <a:pPr algn="ctr"/>
             <a:r>
               <a:rPr lang="en-US" sz="1400" dirty="0"/>
-              <a:t>Generate mutational spectra catalogs from uploaded  VCFs (variant call files)</a:t>
+              <a:t>Generate mutational spectra catalogs (SBS, DBS and ID) from uploaded  VCFs (variant call files)</a:t>
             </a:r>
           </a:p>
         </p:txBody>
@@ -3988,8 +3988,8 @@
         </p:nvSpPr>
         <p:spPr>
           <a:xfrm>
-            <a:off x="5333702" y="964970"/>
-            <a:ext cx="3655148" cy="738664"/>
+            <a:off x="5166571" y="907193"/>
+            <a:ext cx="4455661" cy="738664"/>
           </a:xfrm>
           <a:prstGeom prst="rect">
             <a:avLst/>
@@ -4005,7 +4005,7 @@
             <a:pPr algn="ctr"/>
             <a:r>
               <a:rPr lang="en-US" sz="1400" dirty="0"/>
-              <a:t>Estimate mutational signature activities for uploaded mutational spectra or for mutation spectra derived from VCFs</a:t>
+              <a:t>Estimate mutational signature activities (SBS, DBS and ID)  for uploaded mutational spectra or for mutation spectra derived from VCFs</a:t>
             </a:r>
           </a:p>
         </p:txBody>
